--- a/10037-latavaris_TareaInd01/Archivo Power Paint/10037-latavaris_TareaInd01.pptx
+++ b/10037-latavaris_TareaInd01/Archivo Power Paint/10037-latavaris_TareaInd01.pptx
@@ -2470,13 +2470,13 @@
         </p:nvSpPr>
         <p:spPr>
           <a:xfrm>
-            <a:off x="855619" y="770965"/>
-            <a:ext cx="9955815" cy="3299933"/>
+            <a:off x="332509" y="867947"/>
+            <a:ext cx="13175672" cy="4341362"/>
           </a:xfrm>
         </p:spPr>
         <p:txBody>
           <a:bodyPr rtlCol="0">
-            <a:normAutofit fontScale="92500"/>
+            <a:normAutofit/>
           </a:bodyPr>
           <a:lstStyle/>
           <a:p>
@@ -2484,7 +2484,7 @@
               <a:buNone/>
             </a:pPr>
             <a:r>
-              <a:rPr lang="es-ES" sz="2400" dirty="0">
+              <a:rPr lang="es-ES" sz="2600" dirty="0">
                 <a:solidFill>
                   <a:schemeClr val="bg1"/>
                 </a:solidFill>
@@ -2498,7 +2498,7 @@
               <a:buNone/>
             </a:pPr>
             <a:r>
-              <a:rPr lang="es-ES" sz="2400" dirty="0">
+              <a:rPr lang="es-ES" sz="2600" dirty="0">
                 <a:solidFill>
                   <a:schemeClr val="bg1"/>
                 </a:solidFill>
@@ -2507,7 +2507,7 @@
               </a:rPr>
               <a:t>https://github.com/LuisTavaris/10037-latavaris.git</a:t>
             </a:r>
-            <a:endParaRPr lang="es-ES" sz="2400" dirty="0">
+            <a:endParaRPr lang="es-ES" sz="2600" dirty="0">
               <a:solidFill>
                 <a:schemeClr val="bg1"/>
               </a:solidFill>
@@ -2519,7 +2519,7 @@
               <a:buNone/>
             </a:pPr>
             <a:r>
-              <a:rPr lang="es-ES" sz="2400" dirty="0">
+              <a:rPr lang="es-ES" sz="2600" dirty="0">
                 <a:solidFill>
                   <a:schemeClr val="bg1"/>
                 </a:solidFill>
@@ -2533,16 +2533,16 @@
               <a:buNone/>
             </a:pPr>
             <a:r>
-              <a:rPr lang="es-ES" sz="2400">
+              <a:rPr lang="es-ES" sz="2600" dirty="0">
                 <a:solidFill>
                   <a:schemeClr val="bg1"/>
                 </a:solidFill>
                 <a:latin typeface="+mj-lt"/>
                 <a:hlinkClick r:id="rId4"/>
               </a:rPr>
-              <a:t>https://github.com/LuisTavaris/10037-latavaris/tree/main/latavaris_Act01_10037</a:t>
+              <a:t>https://github.com/LuisTavaris/10037-latavaris/tree/main/10037-latavaris_TareaInd01</a:t>
             </a:r>
-            <a:endParaRPr lang="es-ES" sz="2400">
+            <a:endParaRPr lang="es-ES" sz="2600" dirty="0">
               <a:solidFill>
                 <a:schemeClr val="bg1"/>
               </a:solidFill>
